--- a/Documents/버그1110.pptx
+++ b/Documents/버그1110.pptx
@@ -243,7 +243,7 @@
           <a:p>
             <a:fld id="{47016D7F-84C1-4B5D-B016-9B070AD41133}" type="datetimeFigureOut">
               <a:rPr lang="ko-KR" altLang="en-US" smtClean="0"/>
-              <a:t>2021-11-10</a:t>
+              <a:t>2021-11-12</a:t>
             </a:fld>
             <a:endParaRPr lang="ko-KR" altLang="en-US"/>
           </a:p>
@@ -413,7 +413,7 @@
           <a:p>
             <a:fld id="{47016D7F-84C1-4B5D-B016-9B070AD41133}" type="datetimeFigureOut">
               <a:rPr lang="ko-KR" altLang="en-US" smtClean="0"/>
-              <a:t>2021-11-10</a:t>
+              <a:t>2021-11-12</a:t>
             </a:fld>
             <a:endParaRPr lang="ko-KR" altLang="en-US"/>
           </a:p>
@@ -593,7 +593,7 @@
           <a:p>
             <a:fld id="{47016D7F-84C1-4B5D-B016-9B070AD41133}" type="datetimeFigureOut">
               <a:rPr lang="ko-KR" altLang="en-US" smtClean="0"/>
-              <a:t>2021-11-10</a:t>
+              <a:t>2021-11-12</a:t>
             </a:fld>
             <a:endParaRPr lang="ko-KR" altLang="en-US"/>
           </a:p>
@@ -763,7 +763,7 @@
           <a:p>
             <a:fld id="{47016D7F-84C1-4B5D-B016-9B070AD41133}" type="datetimeFigureOut">
               <a:rPr lang="ko-KR" altLang="en-US" smtClean="0"/>
-              <a:t>2021-11-10</a:t>
+              <a:t>2021-11-12</a:t>
             </a:fld>
             <a:endParaRPr lang="ko-KR" altLang="en-US"/>
           </a:p>
@@ -1007,7 +1007,7 @@
           <a:p>
             <a:fld id="{47016D7F-84C1-4B5D-B016-9B070AD41133}" type="datetimeFigureOut">
               <a:rPr lang="ko-KR" altLang="en-US" smtClean="0"/>
-              <a:t>2021-11-10</a:t>
+              <a:t>2021-11-12</a:t>
             </a:fld>
             <a:endParaRPr lang="ko-KR" altLang="en-US"/>
           </a:p>
@@ -1239,7 +1239,7 @@
           <a:p>
             <a:fld id="{47016D7F-84C1-4B5D-B016-9B070AD41133}" type="datetimeFigureOut">
               <a:rPr lang="ko-KR" altLang="en-US" smtClean="0"/>
-              <a:t>2021-11-10</a:t>
+              <a:t>2021-11-12</a:t>
             </a:fld>
             <a:endParaRPr lang="ko-KR" altLang="en-US"/>
           </a:p>
@@ -1606,7 +1606,7 @@
           <a:p>
             <a:fld id="{47016D7F-84C1-4B5D-B016-9B070AD41133}" type="datetimeFigureOut">
               <a:rPr lang="ko-KR" altLang="en-US" smtClean="0"/>
-              <a:t>2021-11-10</a:t>
+              <a:t>2021-11-12</a:t>
             </a:fld>
             <a:endParaRPr lang="ko-KR" altLang="en-US"/>
           </a:p>
@@ -1724,7 +1724,7 @@
           <a:p>
             <a:fld id="{47016D7F-84C1-4B5D-B016-9B070AD41133}" type="datetimeFigureOut">
               <a:rPr lang="ko-KR" altLang="en-US" smtClean="0"/>
-              <a:t>2021-11-10</a:t>
+              <a:t>2021-11-12</a:t>
             </a:fld>
             <a:endParaRPr lang="ko-KR" altLang="en-US"/>
           </a:p>
@@ -1819,7 +1819,7 @@
           <a:p>
             <a:fld id="{47016D7F-84C1-4B5D-B016-9B070AD41133}" type="datetimeFigureOut">
               <a:rPr lang="ko-KR" altLang="en-US" smtClean="0"/>
-              <a:t>2021-11-10</a:t>
+              <a:t>2021-11-12</a:t>
             </a:fld>
             <a:endParaRPr lang="ko-KR" altLang="en-US"/>
           </a:p>
@@ -2096,7 +2096,7 @@
           <a:p>
             <a:fld id="{47016D7F-84C1-4B5D-B016-9B070AD41133}" type="datetimeFigureOut">
               <a:rPr lang="ko-KR" altLang="en-US" smtClean="0"/>
-              <a:t>2021-11-10</a:t>
+              <a:t>2021-11-12</a:t>
             </a:fld>
             <a:endParaRPr lang="ko-KR" altLang="en-US"/>
           </a:p>
@@ -2353,7 +2353,7 @@
           <a:p>
             <a:fld id="{47016D7F-84C1-4B5D-B016-9B070AD41133}" type="datetimeFigureOut">
               <a:rPr lang="ko-KR" altLang="en-US" smtClean="0"/>
-              <a:t>2021-11-10</a:t>
+              <a:t>2021-11-12</a:t>
             </a:fld>
             <a:endParaRPr lang="ko-KR" altLang="en-US"/>
           </a:p>
@@ -2566,7 +2566,7 @@
           <a:p>
             <a:fld id="{47016D7F-84C1-4B5D-B016-9B070AD41133}" type="datetimeFigureOut">
               <a:rPr lang="ko-KR" altLang="en-US" smtClean="0"/>
-              <a:t>2021-11-10</a:t>
+              <a:t>2021-11-12</a:t>
             </a:fld>
             <a:endParaRPr lang="ko-KR" altLang="en-US"/>
           </a:p>
@@ -3226,7 +3226,7 @@
         <p:spPr>
           <a:xfrm>
             <a:off x="346710" y="1253966"/>
-            <a:ext cx="3794760" cy="5520101"/>
+            <a:ext cx="3794760" cy="9675084"/>
           </a:xfrm>
           <a:prstGeom prst="rect">
             <a:avLst/>
@@ -3304,22 +3304,22 @@
               </a:lnSpc>
             </a:pPr>
             <a:r>
-              <a:rPr lang="en-US" altLang="ko-KR" dirty="0"/>
+              <a:rPr lang="en-US" altLang="ko-KR" u="sng" dirty="0"/>
               <a:t>4. </a:t>
             </a:r>
             <a:r>
-              <a:rPr lang="ko-KR" altLang="en-US" dirty="0"/>
+              <a:rPr lang="ko-KR" altLang="en-US" u="sng" dirty="0"/>
               <a:t>타워 어택타입 </a:t>
             </a:r>
             <a:r>
-              <a:rPr lang="en-US" altLang="ko-KR" dirty="0"/>
+              <a:rPr lang="en-US" altLang="ko-KR" u="sng" dirty="0"/>
               <a:t>3</a:t>
             </a:r>
             <a:r>
-              <a:rPr lang="ko-KR" altLang="en-US" dirty="0"/>
+              <a:rPr lang="ko-KR" altLang="en-US" u="sng" dirty="0"/>
               <a:t>번 확인</a:t>
             </a:r>
-            <a:endParaRPr lang="en-US" altLang="ko-KR" dirty="0"/>
+            <a:endParaRPr lang="en-US" altLang="ko-KR" u="sng" dirty="0"/>
           </a:p>
           <a:p>
             <a:pPr>
@@ -3333,15 +3333,7 @@
             </a:r>
             <a:r>
               <a:rPr lang="ko-KR" altLang="en-US" dirty="0"/>
-              <a:t>몬스터 </a:t>
-            </a:r>
-            <a:r>
-              <a:rPr lang="ko-KR" altLang="en-US" dirty="0" err="1"/>
-              <a:t>디워프</a:t>
-            </a:r>
-            <a:r>
-              <a:rPr lang="ko-KR" altLang="en-US" dirty="0"/>
-              <a:t> </a:t>
+              <a:t>몬스터 드워프 </a:t>
             </a:r>
             <a:r>
               <a:rPr lang="en-US" altLang="ko-KR" dirty="0"/>
@@ -3371,14 +3363,22 @@
               </a:lnSpc>
             </a:pPr>
             <a:r>
-              <a:rPr lang="en-US" altLang="ko-KR" dirty="0"/>
-              <a:t>6. </a:t>
-            </a:r>
-            <a:r>
-              <a:rPr lang="ko-KR" altLang="en-US" dirty="0"/>
-              <a:t>타워 추가 스킬 확인 및 구현</a:t>
-            </a:r>
-            <a:endParaRPr lang="en-US" altLang="ko-KR" dirty="0"/>
+              <a:rPr lang="en-US" altLang="ko-KR" u="sng" dirty="0"/>
+              <a:t> - </a:t>
+            </a:r>
+            <a:r>
+              <a:rPr lang="ko-KR" altLang="en-US" u="sng" dirty="0"/>
+              <a:t>기획 분과 함께 </a:t>
+            </a:r>
+            <a:r>
+              <a:rPr lang="en-US" altLang="ko-KR" u="sng" dirty="0"/>
+              <a:t>1</a:t>
+            </a:r>
+            <a:r>
+              <a:rPr lang="ko-KR" altLang="en-US" u="sng" dirty="0"/>
+              <a:t>스테이지에 소환되게 해서 테스트</a:t>
+            </a:r>
+            <a:endParaRPr lang="en-US" altLang="ko-KR" u="sng" dirty="0"/>
           </a:p>
           <a:p>
             <a:pPr>
@@ -3387,14 +3387,14 @@
               </a:lnSpc>
             </a:pPr>
             <a:r>
-              <a:rPr lang="en-US" altLang="ko-KR" dirty="0"/>
-              <a:t>7. </a:t>
-            </a:r>
-            <a:r>
-              <a:rPr lang="ko-KR" altLang="en-US" dirty="0"/>
-              <a:t>몬스터 상태이상 적용 확인</a:t>
-            </a:r>
-            <a:endParaRPr lang="en-US" altLang="ko-KR" dirty="0"/>
+              <a:rPr lang="en-US" altLang="ko-KR" strike="sngStrike" dirty="0"/>
+              <a:t>6. </a:t>
+            </a:r>
+            <a:r>
+              <a:rPr lang="ko-KR" altLang="en-US" strike="sngStrike" dirty="0"/>
+              <a:t>타워 추가 스킬 확인 및 구현</a:t>
+            </a:r>
+            <a:endParaRPr lang="en-US" altLang="ko-KR" strike="sngStrike" dirty="0"/>
           </a:p>
           <a:p>
             <a:pPr>
@@ -3403,12 +3403,71 @@
               </a:lnSpc>
             </a:pPr>
             <a:r>
+              <a:rPr lang="en-US" altLang="ko-KR" u="sng" dirty="0"/>
+              <a:t>7. </a:t>
+            </a:r>
+            <a:r>
+              <a:rPr lang="ko-KR" altLang="en-US" u="sng" dirty="0"/>
+              <a:t>몬스터 상태이상 적용 확인</a:t>
+            </a:r>
+            <a:endParaRPr lang="en-US" altLang="ko-KR" u="sng" dirty="0"/>
+          </a:p>
+          <a:p>
+            <a:pPr>
+              <a:lnSpc>
+                <a:spcPct val="250000"/>
+              </a:lnSpc>
+            </a:pPr>
+            <a:r>
               <a:rPr lang="en-US" altLang="ko-KR" dirty="0"/>
               <a:t>8. </a:t>
             </a:r>
             <a:r>
               <a:rPr lang="ko-KR" altLang="en-US" dirty="0"/>
               <a:t>결과 상태 버그 수정</a:t>
+            </a:r>
+            <a:endParaRPr lang="en-US" altLang="ko-KR" dirty="0"/>
+          </a:p>
+          <a:p>
+            <a:pPr>
+              <a:lnSpc>
+                <a:spcPct val="250000"/>
+              </a:lnSpc>
+            </a:pPr>
+            <a:r>
+              <a:rPr lang="en-US" altLang="ko-KR" u="sng" dirty="0"/>
+              <a:t>9. </a:t>
+            </a:r>
+            <a:r>
+              <a:rPr lang="ko-KR" altLang="en-US" u="sng" dirty="0"/>
+              <a:t>시작 시 스테이지 아이콘 이상한 버그 </a:t>
+            </a:r>
+            <a:r>
+              <a:rPr lang="en-US" altLang="ko-KR" u="sng" dirty="0"/>
+              <a:t>– </a:t>
+            </a:r>
+            <a:r>
+              <a:rPr lang="ko-KR" altLang="en-US" u="sng" dirty="0"/>
+              <a:t>테이블 아이콘 값이 잘못 되어 있음</a:t>
+            </a:r>
+            <a:r>
+              <a:rPr lang="en-US" altLang="ko-KR" u="sng" dirty="0"/>
+              <a:t>.</a:t>
+            </a:r>
+          </a:p>
+          <a:p>
+            <a:pPr>
+              <a:lnSpc>
+                <a:spcPct val="250000"/>
+              </a:lnSpc>
+            </a:pPr>
+            <a:r>
+              <a:rPr lang="en-US" altLang="ko-KR" dirty="0"/>
+              <a:t>10. </a:t>
+            </a:r>
+            <a:r>
+              <a:rPr lang="ko-KR" altLang="en-US" dirty="0"/>
+              <a:t>디버깅용 씬 구현</a:t>
             </a:r>
           </a:p>
         </p:txBody>
@@ -3576,8 +3635,44 @@
             <a:pPr algn="ctr"/>
             <a:r>
               <a:rPr lang="ko-KR" altLang="en-US" b="1" dirty="0"/>
-              <a:t>확인 여부</a:t>
-            </a:r>
+              <a:t>비고</a:t>
+            </a:r>
+          </a:p>
+        </p:txBody>
+      </p:sp>
+      <p:sp>
+        <p:nvSpPr>
+          <p:cNvPr id="11" name="TextBox 10">
+            <a:extLst>
+              <a:ext uri="{FF2B5EF4-FFF2-40B4-BE49-F238E27FC236}">
+                <a16:creationId xmlns:a16="http://schemas.microsoft.com/office/drawing/2014/main" id="{96746C1A-BD41-42A8-8C10-8982B96E27BE}"/>
+              </a:ext>
+            </a:extLst>
+          </p:cNvPr>
+          <p:cNvSpPr txBox="1"/>
+          <p:nvPr/>
+        </p:nvSpPr>
+        <p:spPr>
+          <a:xfrm>
+            <a:off x="4853679" y="4177862"/>
+            <a:ext cx="1150881" cy="369332"/>
+          </a:xfrm>
+          <a:prstGeom prst="rect">
+            <a:avLst/>
+          </a:prstGeom>
+          <a:noFill/>
+        </p:spPr>
+        <p:txBody>
+          <a:bodyPr wrap="square" rtlCol="0">
+            <a:spAutoFit/>
+          </a:bodyPr>
+          <a:lstStyle/>
+          <a:p>
+            <a:r>
+              <a:rPr lang="ko-KR" altLang="en-US"/>
+              <a:t>호호호</a:t>
+            </a:r>
+            <a:endParaRPr lang="ko-KR" altLang="en-US" dirty="0"/>
           </a:p>
         </p:txBody>
       </p:sp>

--- a/Documents/버그1110.pptx
+++ b/Documents/버그1110.pptx
@@ -173,7 +173,7 @@
         </p:nvSpPr>
         <p:spPr>
           <a:xfrm>
-            <a:off x="857250" y="6403623"/>
+            <a:off x="857250" y="6403625"/>
             <a:ext cx="5143500" cy="2943577"/>
           </a:xfrm>
         </p:spPr>
@@ -243,7 +243,7 @@
           <a:p>
             <a:fld id="{47016D7F-84C1-4B5D-B016-9B070AD41133}" type="datetimeFigureOut">
               <a:rPr lang="ko-KR" altLang="en-US" smtClean="0"/>
-              <a:t>2021-11-12</a:t>
+              <a:t>2021-11-15</a:t>
             </a:fld>
             <a:endParaRPr lang="ko-KR" altLang="en-US"/>
           </a:p>
@@ -413,7 +413,7 @@
           <a:p>
             <a:fld id="{47016D7F-84C1-4B5D-B016-9B070AD41133}" type="datetimeFigureOut">
               <a:rPr lang="ko-KR" altLang="en-US" smtClean="0"/>
-              <a:t>2021-11-12</a:t>
+              <a:t>2021-11-15</a:t>
             </a:fld>
             <a:endParaRPr lang="ko-KR" altLang="en-US"/>
           </a:p>
@@ -593,7 +593,7 @@
           <a:p>
             <a:fld id="{47016D7F-84C1-4B5D-B016-9B070AD41133}" type="datetimeFigureOut">
               <a:rPr lang="ko-KR" altLang="en-US" smtClean="0"/>
-              <a:t>2021-11-12</a:t>
+              <a:t>2021-11-15</a:t>
             </a:fld>
             <a:endParaRPr lang="ko-KR" altLang="en-US"/>
           </a:p>
@@ -763,7 +763,7 @@
           <a:p>
             <a:fld id="{47016D7F-84C1-4B5D-B016-9B070AD41133}" type="datetimeFigureOut">
               <a:rPr lang="ko-KR" altLang="en-US" smtClean="0"/>
-              <a:t>2021-11-12</a:t>
+              <a:t>2021-11-15</a:t>
             </a:fld>
             <a:endParaRPr lang="ko-KR" altLang="en-US"/>
           </a:p>
@@ -885,7 +885,7 @@
         </p:nvSpPr>
         <p:spPr>
           <a:xfrm>
-            <a:off x="467916" y="8159048"/>
+            <a:off x="467916" y="8159050"/>
             <a:ext cx="5915025" cy="2666999"/>
           </a:xfrm>
         </p:spPr>
@@ -1007,7 +1007,7 @@
           <a:p>
             <a:fld id="{47016D7F-84C1-4B5D-B016-9B070AD41133}" type="datetimeFigureOut">
               <a:rPr lang="ko-KR" altLang="en-US" smtClean="0"/>
-              <a:t>2021-11-12</a:t>
+              <a:t>2021-11-15</a:t>
             </a:fld>
             <a:endParaRPr lang="ko-KR" altLang="en-US"/>
           </a:p>
@@ -1239,7 +1239,7 @@
           <a:p>
             <a:fld id="{47016D7F-84C1-4B5D-B016-9B070AD41133}" type="datetimeFigureOut">
               <a:rPr lang="ko-KR" altLang="en-US" smtClean="0"/>
-              <a:t>2021-11-12</a:t>
+              <a:t>2021-11-15</a:t>
             </a:fld>
             <a:endParaRPr lang="ko-KR" altLang="en-US"/>
           </a:p>
@@ -1357,7 +1357,7 @@
         </p:nvSpPr>
         <p:spPr>
           <a:xfrm>
-            <a:off x="472381" y="2988734"/>
+            <a:off x="472382" y="2988734"/>
             <a:ext cx="2901255" cy="1464732"/>
           </a:xfrm>
         </p:spPr>
@@ -1422,7 +1422,7 @@
         </p:nvSpPr>
         <p:spPr>
           <a:xfrm>
-            <a:off x="472381" y="4453467"/>
+            <a:off x="472382" y="4453469"/>
             <a:ext cx="2901255" cy="6550379"/>
           </a:xfrm>
         </p:spPr>
@@ -1479,7 +1479,7 @@
         </p:nvSpPr>
         <p:spPr>
           <a:xfrm>
-            <a:off x="3471863" y="2988734"/>
+            <a:off x="3471864" y="2988734"/>
             <a:ext cx="2915543" cy="1464732"/>
           </a:xfrm>
         </p:spPr>
@@ -1544,7 +1544,7 @@
         </p:nvSpPr>
         <p:spPr>
           <a:xfrm>
-            <a:off x="3471863" y="4453467"/>
+            <a:off x="3471864" y="4453469"/>
             <a:ext cx="2915543" cy="6550379"/>
           </a:xfrm>
         </p:spPr>
@@ -1606,7 +1606,7 @@
           <a:p>
             <a:fld id="{47016D7F-84C1-4B5D-B016-9B070AD41133}" type="datetimeFigureOut">
               <a:rPr lang="ko-KR" altLang="en-US" smtClean="0"/>
-              <a:t>2021-11-12</a:t>
+              <a:t>2021-11-15</a:t>
             </a:fld>
             <a:endParaRPr lang="ko-KR" altLang="en-US"/>
           </a:p>
@@ -1724,7 +1724,7 @@
           <a:p>
             <a:fld id="{47016D7F-84C1-4B5D-B016-9B070AD41133}" type="datetimeFigureOut">
               <a:rPr lang="ko-KR" altLang="en-US" smtClean="0"/>
-              <a:t>2021-11-12</a:t>
+              <a:t>2021-11-15</a:t>
             </a:fld>
             <a:endParaRPr lang="ko-KR" altLang="en-US"/>
           </a:p>
@@ -1819,7 +1819,7 @@
           <a:p>
             <a:fld id="{47016D7F-84C1-4B5D-B016-9B070AD41133}" type="datetimeFigureOut">
               <a:rPr lang="ko-KR" altLang="en-US" smtClean="0"/>
-              <a:t>2021-11-12</a:t>
+              <a:t>2021-11-15</a:t>
             </a:fld>
             <a:endParaRPr lang="ko-KR" altLang="en-US"/>
           </a:p>
@@ -1941,7 +1941,7 @@
         </p:nvSpPr>
         <p:spPr>
           <a:xfrm>
-            <a:off x="2915543" y="1755425"/>
+            <a:off x="2915544" y="1755425"/>
             <a:ext cx="3471863" cy="8664222"/>
           </a:xfrm>
         </p:spPr>
@@ -2096,7 +2096,7 @@
           <a:p>
             <a:fld id="{47016D7F-84C1-4B5D-B016-9B070AD41133}" type="datetimeFigureOut">
               <a:rPr lang="ko-KR" altLang="en-US" smtClean="0"/>
-              <a:t>2021-11-12</a:t>
+              <a:t>2021-11-15</a:t>
             </a:fld>
             <a:endParaRPr lang="ko-KR" altLang="en-US"/>
           </a:p>
@@ -2218,7 +2218,7 @@
         </p:nvSpPr>
         <p:spPr>
           <a:xfrm>
-            <a:off x="2915543" y="1755425"/>
+            <a:off x="2915544" y="1755425"/>
             <a:ext cx="3471863" cy="8664222"/>
           </a:xfrm>
         </p:spPr>
@@ -2353,7 +2353,7 @@
           <a:p>
             <a:fld id="{47016D7F-84C1-4B5D-B016-9B070AD41133}" type="datetimeFigureOut">
               <a:rPr lang="ko-KR" altLang="en-US" smtClean="0"/>
-              <a:t>2021-11-12</a:t>
+              <a:t>2021-11-15</a:t>
             </a:fld>
             <a:endParaRPr lang="ko-KR" altLang="en-US"/>
           </a:p>
@@ -2543,7 +2543,7 @@
         </p:nvSpPr>
         <p:spPr>
           <a:xfrm>
-            <a:off x="471488" y="11300181"/>
+            <a:off x="471488" y="11300183"/>
             <a:ext cx="1543050" cy="649111"/>
           </a:xfrm>
           <a:prstGeom prst="rect">
@@ -2566,7 +2566,7 @@
           <a:p>
             <a:fld id="{47016D7F-84C1-4B5D-B016-9B070AD41133}" type="datetimeFigureOut">
               <a:rPr lang="ko-KR" altLang="en-US" smtClean="0"/>
-              <a:t>2021-11-12</a:t>
+              <a:t>2021-11-15</a:t>
             </a:fld>
             <a:endParaRPr lang="ko-KR" altLang="en-US"/>
           </a:p>
@@ -2584,7 +2584,7 @@
         </p:nvSpPr>
         <p:spPr>
           <a:xfrm>
-            <a:off x="2271713" y="11300181"/>
+            <a:off x="2271713" y="11300183"/>
             <a:ext cx="2314575" cy="649111"/>
           </a:xfrm>
           <a:prstGeom prst="rect">
@@ -2621,7 +2621,7 @@
         </p:nvSpPr>
         <p:spPr>
           <a:xfrm>
-            <a:off x="4843463" y="11300181"/>
+            <a:off x="4843463" y="11300183"/>
             <a:ext cx="1543050" cy="649111"/>
           </a:xfrm>
           <a:prstGeom prst="rect">
@@ -3225,8 +3225,8 @@
         </p:nvSpPr>
         <p:spPr>
           <a:xfrm>
-            <a:off x="346710" y="1253966"/>
-            <a:ext cx="3794760" cy="9675084"/>
+            <a:off x="346710" y="1253968"/>
+            <a:ext cx="3794760" cy="10365338"/>
           </a:xfrm>
           <a:prstGeom prst="rect">
             <a:avLst/>
@@ -3261,25 +3261,14 @@
               </a:lnSpc>
             </a:pPr>
             <a:r>
-              <a:rPr lang="en-US" altLang="ko-KR" dirty="0"/>
+              <a:rPr lang="en-US" altLang="ko-KR" i="1" strike="sngStrike" dirty="0"/>
               <a:t>2. </a:t>
             </a:r>
             <a:r>
-              <a:rPr lang="ko-KR" altLang="en-US" dirty="0"/>
+              <a:rPr lang="ko-KR" altLang="en-US" i="1" strike="sngStrike" dirty="0"/>
               <a:t>데미지 텍스트 구현</a:t>
             </a:r>
-            <a:r>
-              <a:rPr lang="en-US" altLang="ko-KR" dirty="0"/>
-              <a:t>(</a:t>
-            </a:r>
-            <a:r>
-              <a:rPr lang="ko-KR" altLang="en-US" dirty="0"/>
-              <a:t>치명타 포함</a:t>
-            </a:r>
-            <a:r>
-              <a:rPr lang="en-US" altLang="ko-KR" dirty="0"/>
-              <a:t>)</a:t>
-            </a:r>
+            <a:endParaRPr lang="en-US" altLang="ko-KR" i="1" strike="sngStrike" dirty="0"/>
           </a:p>
           <a:p>
             <a:pPr>
@@ -3363,22 +3352,22 @@
               </a:lnSpc>
             </a:pPr>
             <a:r>
-              <a:rPr lang="en-US" altLang="ko-KR" u="sng" dirty="0"/>
+              <a:rPr lang="en-US" altLang="ko-KR" dirty="0"/>
               <a:t> - </a:t>
             </a:r>
             <a:r>
-              <a:rPr lang="ko-KR" altLang="en-US" u="sng" dirty="0"/>
+              <a:rPr lang="ko-KR" altLang="en-US" dirty="0"/>
               <a:t>기획 분과 함께 </a:t>
             </a:r>
             <a:r>
-              <a:rPr lang="en-US" altLang="ko-KR" u="sng" dirty="0"/>
+              <a:rPr lang="en-US" altLang="ko-KR" dirty="0"/>
               <a:t>1</a:t>
             </a:r>
             <a:r>
-              <a:rPr lang="ko-KR" altLang="en-US" u="sng" dirty="0"/>
+              <a:rPr lang="ko-KR" altLang="en-US" dirty="0"/>
               <a:t>스테이지에 소환되게 해서 테스트</a:t>
             </a:r>
-            <a:endParaRPr lang="en-US" altLang="ko-KR" u="sng" dirty="0"/>
+            <a:endParaRPr lang="en-US" altLang="ko-KR" dirty="0"/>
           </a:p>
           <a:p>
             <a:pPr>
@@ -3387,14 +3376,14 @@
               </a:lnSpc>
             </a:pPr>
             <a:r>
-              <a:rPr lang="en-US" altLang="ko-KR" strike="sngStrike" dirty="0"/>
+              <a:rPr lang="en-US" altLang="ko-KR" i="1" strike="sngStrike" dirty="0"/>
               <a:t>6. </a:t>
             </a:r>
             <a:r>
-              <a:rPr lang="ko-KR" altLang="en-US" strike="sngStrike" dirty="0"/>
+              <a:rPr lang="ko-KR" altLang="en-US" i="1" strike="sngStrike" dirty="0"/>
               <a:t>타워 추가 스킬 확인 및 구현</a:t>
             </a:r>
-            <a:endParaRPr lang="en-US" altLang="ko-KR" strike="sngStrike" dirty="0"/>
+            <a:endParaRPr lang="en-US" altLang="ko-KR" i="1" strike="sngStrike" dirty="0"/>
           </a:p>
           <a:p>
             <a:pPr>
@@ -3403,14 +3392,14 @@
               </a:lnSpc>
             </a:pPr>
             <a:r>
-              <a:rPr lang="en-US" altLang="ko-KR" u="sng" dirty="0"/>
+              <a:rPr lang="en-US" altLang="ko-KR" dirty="0"/>
               <a:t>7. </a:t>
             </a:r>
             <a:r>
-              <a:rPr lang="ko-KR" altLang="en-US" u="sng" dirty="0"/>
+              <a:rPr lang="ko-KR" altLang="en-US" dirty="0"/>
               <a:t>몬스터 상태이상 적용 확인</a:t>
             </a:r>
-            <a:endParaRPr lang="en-US" altLang="ko-KR" u="sng" dirty="0"/>
+            <a:endParaRPr lang="en-US" altLang="ko-KR" dirty="0"/>
           </a:p>
           <a:p>
             <a:pPr>
@@ -3419,14 +3408,14 @@
               </a:lnSpc>
             </a:pPr>
             <a:r>
-              <a:rPr lang="en-US" altLang="ko-KR" dirty="0"/>
+              <a:rPr lang="en-US" altLang="ko-KR" i="1" strike="sngStrike" dirty="0"/>
               <a:t>8. </a:t>
             </a:r>
             <a:r>
-              <a:rPr lang="ko-KR" altLang="en-US" dirty="0"/>
+              <a:rPr lang="ko-KR" altLang="en-US" i="1" strike="sngStrike" dirty="0"/>
               <a:t>결과 상태 버그 수정</a:t>
             </a:r>
-            <a:endParaRPr lang="en-US" altLang="ko-KR" dirty="0"/>
+            <a:endParaRPr lang="en-US" altLang="ko-KR" i="1" strike="sngStrike" dirty="0"/>
           </a:p>
           <a:p>
             <a:pPr>
@@ -3435,23 +3424,23 @@
               </a:lnSpc>
             </a:pPr>
             <a:r>
-              <a:rPr lang="en-US" altLang="ko-KR" u="sng" dirty="0"/>
+              <a:rPr lang="en-US" altLang="ko-KR" i="1" strike="sngStrike" dirty="0"/>
               <a:t>9. </a:t>
             </a:r>
             <a:r>
-              <a:rPr lang="ko-KR" altLang="en-US" u="sng" dirty="0"/>
+              <a:rPr lang="ko-KR" altLang="en-US" i="1" strike="sngStrike" dirty="0"/>
               <a:t>시작 시 스테이지 아이콘 이상한 버그 </a:t>
             </a:r>
             <a:r>
-              <a:rPr lang="en-US" altLang="ko-KR" u="sng" dirty="0"/>
+              <a:rPr lang="en-US" altLang="ko-KR" dirty="0"/>
               <a:t>– </a:t>
             </a:r>
             <a:r>
-              <a:rPr lang="ko-KR" altLang="en-US" u="sng" dirty="0"/>
+              <a:rPr lang="ko-KR" altLang="en-US" dirty="0"/>
               <a:t>테이블 아이콘 값이 잘못 되어 있음</a:t>
             </a:r>
             <a:r>
-              <a:rPr lang="en-US" altLang="ko-KR" u="sng" dirty="0"/>
+              <a:rPr lang="en-US" altLang="ko-KR" dirty="0"/>
               <a:t>.</a:t>
             </a:r>
           </a:p>
@@ -3469,6 +3458,27 @@
               <a:rPr lang="ko-KR" altLang="en-US" dirty="0"/>
               <a:t>디버깅용 씬 구현</a:t>
             </a:r>
+            <a:endParaRPr lang="en-US" altLang="ko-KR" dirty="0"/>
+          </a:p>
+          <a:p>
+            <a:pPr>
+              <a:lnSpc>
+                <a:spcPct val="250000"/>
+              </a:lnSpc>
+            </a:pPr>
+            <a:r>
+              <a:rPr lang="en-US" altLang="ko-KR" dirty="0"/>
+              <a:t>11. </a:t>
+            </a:r>
+            <a:r>
+              <a:rPr lang="ko-KR" altLang="en-US" dirty="0"/>
+              <a:t>스킬 이펙트 </a:t>
+            </a:r>
+            <a:r>
+              <a:rPr lang="ko-KR" altLang="en-US"/>
+              <a:t>전체 수정</a:t>
+            </a:r>
+            <a:endParaRPr lang="en-US" altLang="ko-KR"/>
           </a:p>
         </p:txBody>
       </p:sp>
@@ -3654,8 +3664,8 @@
         </p:nvSpPr>
         <p:spPr>
           <a:xfrm>
-            <a:off x="4853679" y="4177862"/>
-            <a:ext cx="1150881" cy="369332"/>
+            <a:off x="4853679" y="1329927"/>
+            <a:ext cx="1657610" cy="9664505"/>
           </a:xfrm>
           <a:prstGeom prst="rect">
             <a:avLst/>
@@ -3668,11 +3678,174 @@
           </a:bodyPr>
           <a:lstStyle/>
           <a:p>
-            <a:r>
-              <a:rPr lang="ko-KR" altLang="en-US"/>
-              <a:t>호호호</a:t>
-            </a:r>
-            <a:endParaRPr lang="ko-KR" altLang="en-US" dirty="0"/>
+            <a:pPr>
+              <a:lnSpc>
+                <a:spcPct val="250000"/>
+              </a:lnSpc>
+            </a:pPr>
+            <a:r>
+              <a:rPr lang="en-US" altLang="ko-KR" dirty="0">
+                <a:latin typeface="+mn-ea"/>
+              </a:rPr>
+              <a:t>1.</a:t>
+            </a:r>
+          </a:p>
+          <a:p>
+            <a:pPr>
+              <a:lnSpc>
+                <a:spcPct val="250000"/>
+              </a:lnSpc>
+            </a:pPr>
+            <a:r>
+              <a:rPr lang="en-US" altLang="ko-KR" dirty="0">
+                <a:latin typeface="+mn-ea"/>
+              </a:rPr>
+              <a:t>2.</a:t>
+            </a:r>
+          </a:p>
+          <a:p>
+            <a:pPr>
+              <a:lnSpc>
+                <a:spcPct val="250000"/>
+              </a:lnSpc>
+            </a:pPr>
+            <a:r>
+              <a:rPr lang="en-US" altLang="ko-KR" dirty="0">
+                <a:latin typeface="+mn-ea"/>
+              </a:rPr>
+              <a:t>3.</a:t>
+            </a:r>
+          </a:p>
+          <a:p>
+            <a:pPr>
+              <a:lnSpc>
+                <a:spcPct val="250000"/>
+              </a:lnSpc>
+            </a:pPr>
+            <a:r>
+              <a:rPr lang="en-US" altLang="ko-KR" dirty="0">
+                <a:latin typeface="+mn-ea"/>
+              </a:rPr>
+              <a:t>4.</a:t>
+            </a:r>
+          </a:p>
+          <a:p>
+            <a:pPr>
+              <a:lnSpc>
+                <a:spcPct val="250000"/>
+              </a:lnSpc>
+            </a:pPr>
+            <a:r>
+              <a:rPr lang="en-US" altLang="ko-KR" dirty="0">
+                <a:latin typeface="+mn-ea"/>
+              </a:rPr>
+              <a:t>5.</a:t>
+            </a:r>
+          </a:p>
+          <a:p>
+            <a:pPr>
+              <a:lnSpc>
+                <a:spcPct val="250000"/>
+              </a:lnSpc>
+            </a:pPr>
+            <a:endParaRPr lang="en-US" altLang="ko-KR" dirty="0">
+              <a:latin typeface="+mn-ea"/>
+            </a:endParaRPr>
+          </a:p>
+          <a:p>
+            <a:pPr>
+              <a:lnSpc>
+                <a:spcPct val="250000"/>
+              </a:lnSpc>
+            </a:pPr>
+            <a:endParaRPr lang="en-US" altLang="ko-KR" dirty="0">
+              <a:latin typeface="+mn-ea"/>
+            </a:endParaRPr>
+          </a:p>
+          <a:p>
+            <a:pPr>
+              <a:lnSpc>
+                <a:spcPct val="250000"/>
+              </a:lnSpc>
+            </a:pPr>
+            <a:r>
+              <a:rPr lang="en-US" altLang="ko-KR" dirty="0">
+                <a:latin typeface="+mn-ea"/>
+              </a:rPr>
+              <a:t>6.</a:t>
+            </a:r>
+          </a:p>
+          <a:p>
+            <a:pPr>
+              <a:lnSpc>
+                <a:spcPct val="250000"/>
+              </a:lnSpc>
+            </a:pPr>
+            <a:r>
+              <a:rPr lang="en-US" altLang="ko-KR" dirty="0">
+                <a:latin typeface="+mn-ea"/>
+              </a:rPr>
+              <a:t>7.</a:t>
+            </a:r>
+          </a:p>
+          <a:p>
+            <a:pPr>
+              <a:lnSpc>
+                <a:spcPct val="250000"/>
+              </a:lnSpc>
+            </a:pPr>
+            <a:r>
+              <a:rPr lang="en-US" altLang="ko-KR" dirty="0">
+                <a:latin typeface="+mn-ea"/>
+              </a:rPr>
+              <a:t>8.</a:t>
+            </a:r>
+          </a:p>
+          <a:p>
+            <a:pPr>
+              <a:lnSpc>
+                <a:spcPct val="250000"/>
+              </a:lnSpc>
+            </a:pPr>
+            <a:r>
+              <a:rPr lang="en-US" altLang="ko-KR" dirty="0">
+                <a:latin typeface="+mn-ea"/>
+              </a:rPr>
+              <a:t>9.</a:t>
+            </a:r>
+          </a:p>
+          <a:p>
+            <a:pPr>
+              <a:lnSpc>
+                <a:spcPct val="250000"/>
+              </a:lnSpc>
+            </a:pPr>
+            <a:endParaRPr lang="en-US" altLang="ko-KR" dirty="0">
+              <a:latin typeface="+mn-ea"/>
+            </a:endParaRPr>
+          </a:p>
+          <a:p>
+            <a:pPr>
+              <a:lnSpc>
+                <a:spcPct val="250000"/>
+              </a:lnSpc>
+            </a:pPr>
+            <a:endParaRPr lang="en-US" altLang="ko-KR" dirty="0">
+              <a:latin typeface="+mn-ea"/>
+            </a:endParaRPr>
+          </a:p>
+          <a:p>
+            <a:pPr>
+              <a:lnSpc>
+                <a:spcPct val="250000"/>
+              </a:lnSpc>
+            </a:pPr>
+            <a:r>
+              <a:rPr lang="en-US" altLang="ko-KR" dirty="0">
+                <a:latin typeface="+mn-ea"/>
+              </a:rPr>
+              <a:t>10.</a:t>
+            </a:r>
           </a:p>
         </p:txBody>
       </p:sp>
